--- a/Clean Code.pptx
+++ b/Clean Code.pptx
@@ -11052,16 +11052,10 @@
               <a:t> </a:t>
             </a:r>
             <a:r>
-              <a:rPr lang="de-DE" dirty="0" err="1">
-                <a:sym typeface="Wingdings" panose="05000000000000000000" pitchFamily="2" charset="2"/>
-              </a:rPr>
-              <a:t>shorter</a:t>
-            </a:r>
-            <a:r>
-              <a:rPr lang="de-DE" dirty="0">
-                <a:sym typeface="Wingdings" panose="05000000000000000000" pitchFamily="2" charset="2"/>
-              </a:rPr>
-              <a:t> </a:t>
+              <a:rPr lang="de-DE">
+                <a:sym typeface="Wingdings" panose="05000000000000000000" pitchFamily="2" charset="2"/>
+              </a:rPr>
+              <a:t>longer </a:t>
             </a:r>
             <a:r>
               <a:rPr lang="de-DE" dirty="0" err="1">
